--- a/2015-2016/clases/informatica_aplicada/clase_8/clase_8.pptx
+++ b/2015-2016/clases/informatica_aplicada/clase_8/clase_8.pptx
@@ -1,23 +1,118 @@
 
 <file path=ppt/presentation.xml><?xml version="1.0" encoding="utf-8"?>
-<p:presentation xmlns:a="http://schemas.openxmlformats.org/drawingml/2006/main" xmlns:p="http://schemas.openxmlformats.org/presentationml/2006/main" xmlns:r="http://schemas.openxmlformats.org/officeDocument/2006/relationships">
+<p:presentation xmlns:a="http://schemas.openxmlformats.org/drawingml/2006/main" xmlns:r="http://schemas.openxmlformats.org/officeDocument/2006/relationships" xmlns:p="http://schemas.openxmlformats.org/presentationml/2006/main">
   <p:sldMasterIdLst>
-    <p:sldMasterId id="2147483648" r:id="rId2"/>
-    <p:sldMasterId id="2147483661" r:id="rId3"/>
+    <p:sldMasterId id="2147483648" r:id="rId1"/>
+    <p:sldMasterId id="2147483661" r:id="rId2"/>
   </p:sldMasterIdLst>
   <p:sldIdLst>
-    <p:sldId id="256" r:id="rId4"/>
-    <p:sldId id="257" r:id="rId5"/>
-    <p:sldId id="258" r:id="rId6"/>
-    <p:sldId id="259" r:id="rId7"/>
+    <p:sldId id="256" r:id="rId3"/>
+    <p:sldId id="257" r:id="rId4"/>
+    <p:sldId id="258" r:id="rId5"/>
+    <p:sldId id="259" r:id="rId6"/>
   </p:sldIdLst>
-  <p:sldSz cx="9144000" cy="6858000"/>
-  <p:notesSz cx="7559675" cy="10691812"/>
+  <p:sldSz cx="9144000" cy="6858000" type="screen4x3"/>
+  <p:notesSz cx="7559675" cy="10691813"/>
+  <p:defaultTextStyle>
+    <a:defPPr>
+      <a:defRPr lang="es-ES"/>
+    </a:defPPr>
+    <a:lvl1pPr marL="0" algn="l" defTabSz="914400" rtl="0" eaLnBrk="1" latinLnBrk="0" hangingPunct="1">
+      <a:defRPr sz="1800" kern="1200">
+        <a:solidFill>
+          <a:schemeClr val="tx1"/>
+        </a:solidFill>
+        <a:latin typeface="+mn-lt"/>
+        <a:ea typeface="+mn-ea"/>
+        <a:cs typeface="+mn-cs"/>
+      </a:defRPr>
+    </a:lvl1pPr>
+    <a:lvl2pPr marL="457200" algn="l" defTabSz="914400" rtl="0" eaLnBrk="1" latinLnBrk="0" hangingPunct="1">
+      <a:defRPr sz="1800" kern="1200">
+        <a:solidFill>
+          <a:schemeClr val="tx1"/>
+        </a:solidFill>
+        <a:latin typeface="+mn-lt"/>
+        <a:ea typeface="+mn-ea"/>
+        <a:cs typeface="+mn-cs"/>
+      </a:defRPr>
+    </a:lvl2pPr>
+    <a:lvl3pPr marL="914400" algn="l" defTabSz="914400" rtl="0" eaLnBrk="1" latinLnBrk="0" hangingPunct="1">
+      <a:defRPr sz="1800" kern="1200">
+        <a:solidFill>
+          <a:schemeClr val="tx1"/>
+        </a:solidFill>
+        <a:latin typeface="+mn-lt"/>
+        <a:ea typeface="+mn-ea"/>
+        <a:cs typeface="+mn-cs"/>
+      </a:defRPr>
+    </a:lvl3pPr>
+    <a:lvl4pPr marL="1371600" algn="l" defTabSz="914400" rtl="0" eaLnBrk="1" latinLnBrk="0" hangingPunct="1">
+      <a:defRPr sz="1800" kern="1200">
+        <a:solidFill>
+          <a:schemeClr val="tx1"/>
+        </a:solidFill>
+        <a:latin typeface="+mn-lt"/>
+        <a:ea typeface="+mn-ea"/>
+        <a:cs typeface="+mn-cs"/>
+      </a:defRPr>
+    </a:lvl4pPr>
+    <a:lvl5pPr marL="1828800" algn="l" defTabSz="914400" rtl="0" eaLnBrk="1" latinLnBrk="0" hangingPunct="1">
+      <a:defRPr sz="1800" kern="1200">
+        <a:solidFill>
+          <a:schemeClr val="tx1"/>
+        </a:solidFill>
+        <a:latin typeface="+mn-lt"/>
+        <a:ea typeface="+mn-ea"/>
+        <a:cs typeface="+mn-cs"/>
+      </a:defRPr>
+    </a:lvl5pPr>
+    <a:lvl6pPr marL="2286000" algn="l" defTabSz="914400" rtl="0" eaLnBrk="1" latinLnBrk="0" hangingPunct="1">
+      <a:defRPr sz="1800" kern="1200">
+        <a:solidFill>
+          <a:schemeClr val="tx1"/>
+        </a:solidFill>
+        <a:latin typeface="+mn-lt"/>
+        <a:ea typeface="+mn-ea"/>
+        <a:cs typeface="+mn-cs"/>
+      </a:defRPr>
+    </a:lvl6pPr>
+    <a:lvl7pPr marL="2743200" algn="l" defTabSz="914400" rtl="0" eaLnBrk="1" latinLnBrk="0" hangingPunct="1">
+      <a:defRPr sz="1800" kern="1200">
+        <a:solidFill>
+          <a:schemeClr val="tx1"/>
+        </a:solidFill>
+        <a:latin typeface="+mn-lt"/>
+        <a:ea typeface="+mn-ea"/>
+        <a:cs typeface="+mn-cs"/>
+      </a:defRPr>
+    </a:lvl7pPr>
+    <a:lvl8pPr marL="3200400" algn="l" defTabSz="914400" rtl="0" eaLnBrk="1" latinLnBrk="0" hangingPunct="1">
+      <a:defRPr sz="1800" kern="1200">
+        <a:solidFill>
+          <a:schemeClr val="tx1"/>
+        </a:solidFill>
+        <a:latin typeface="+mn-lt"/>
+        <a:ea typeface="+mn-ea"/>
+        <a:cs typeface="+mn-cs"/>
+      </a:defRPr>
+    </a:lvl8pPr>
+    <a:lvl9pPr marL="3657600" algn="l" defTabSz="914400" rtl="0" eaLnBrk="1" latinLnBrk="0" hangingPunct="1">
+      <a:defRPr sz="1800" kern="1200">
+        <a:solidFill>
+          <a:schemeClr val="tx1"/>
+        </a:solidFill>
+        <a:latin typeface="+mn-lt"/>
+        <a:ea typeface="+mn-ea"/>
+        <a:cs typeface="+mn-cs"/>
+      </a:defRPr>
+    </a:lvl9pPr>
+  </p:defaultTextStyle>
 </p:presentation>
 </file>
 
 <file path=ppt/slideLayouts/slideLayout1.xml><?xml version="1.0" encoding="utf-8"?>
-<p:sldLayout xmlns:a="http://schemas.openxmlformats.org/drawingml/2006/main" xmlns:p="http://schemas.openxmlformats.org/presentationml/2006/main" xmlns:r="http://schemas.openxmlformats.org/officeDocument/2006/relationships" type="blank" preserve="1">
+<p:sldLayout xmlns:a="http://schemas.openxmlformats.org/drawingml/2006/main" xmlns:r="http://schemas.openxmlformats.org/officeDocument/2006/relationships" xmlns:p="http://schemas.openxmlformats.org/presentationml/2006/main" type="blank" preserve="1">
   <p:cSld name="Blank Slide">
     <p:spTree>
       <p:nvGrpSpPr>
@@ -35,11 +130,14 @@
       </p:grpSpPr>
     </p:spTree>
   </p:cSld>
+  <p:clrMapOvr>
+    <a:masterClrMapping/>
+  </p:clrMapOvr>
 </p:sldLayout>
 </file>
 
 <file path=ppt/slideLayouts/slideLayout10.xml><?xml version="1.0" encoding="utf-8"?>
-<p:sldLayout xmlns:a="http://schemas.openxmlformats.org/drawingml/2006/main" xmlns:p="http://schemas.openxmlformats.org/presentationml/2006/main" xmlns:r="http://schemas.openxmlformats.org/officeDocument/2006/relationships" type="objOverTx" preserve="1">
+<p:sldLayout xmlns:a="http://schemas.openxmlformats.org/drawingml/2006/main" xmlns:r="http://schemas.openxmlformats.org/officeDocument/2006/relationships" xmlns:p="http://schemas.openxmlformats.org/presentationml/2006/main" type="objOverTx" preserve="1">
   <p:cSld name="Title, Content over Content">
     <p:spTree>
       <p:nvGrpSpPr>
@@ -75,7 +173,8 @@
           </a:prstGeom>
         </p:spPr>
         <p:txBody>
-          <a:bodyPr lIns="0" rIns="0" tIns="0" bIns="0" anchor="ctr"/>
+          <a:bodyPr lIns="0" tIns="0" rIns="0" bIns="0" anchor="ctr"/>
+          <a:lstStyle/>
           <a:p>
             <a:pPr algn="ctr"/>
             <a:endParaRPr/>
@@ -102,7 +201,8 @@
           </a:prstGeom>
         </p:spPr>
         <p:txBody>
-          <a:bodyPr lIns="0" rIns="0" tIns="0" bIns="0"/>
+          <a:bodyPr lIns="0" tIns="0" rIns="0" bIns="0"/>
+          <a:lstStyle/>
           <a:p>
             <a:endParaRPr/>
           </a:p>
@@ -128,7 +228,8 @@
           </a:prstGeom>
         </p:spPr>
         <p:txBody>
-          <a:bodyPr lIns="0" rIns="0" tIns="0" bIns="0"/>
+          <a:bodyPr lIns="0" tIns="0" rIns="0" bIns="0"/>
+          <a:lstStyle/>
           <a:p>
             <a:endParaRPr/>
           </a:p>
@@ -136,11 +237,14 @@
       </p:sp>
     </p:spTree>
   </p:cSld>
+  <p:clrMapOvr>
+    <a:masterClrMapping/>
+  </p:clrMapOvr>
 </p:sldLayout>
 </file>
 
 <file path=ppt/slideLayouts/slideLayout11.xml><?xml version="1.0" encoding="utf-8"?>
-<p:sldLayout xmlns:a="http://schemas.openxmlformats.org/drawingml/2006/main" xmlns:p="http://schemas.openxmlformats.org/presentationml/2006/main" xmlns:r="http://schemas.openxmlformats.org/officeDocument/2006/relationships" type="fourObj" preserve="1">
+<p:sldLayout xmlns:a="http://schemas.openxmlformats.org/drawingml/2006/main" xmlns:r="http://schemas.openxmlformats.org/officeDocument/2006/relationships" xmlns:p="http://schemas.openxmlformats.org/presentationml/2006/main" type="fourObj" preserve="1">
   <p:cSld name="Title, 4 Content">
     <p:spTree>
       <p:nvGrpSpPr>
@@ -176,7 +280,8 @@
           </a:prstGeom>
         </p:spPr>
         <p:txBody>
-          <a:bodyPr lIns="0" rIns="0" tIns="0" bIns="0" anchor="ctr"/>
+          <a:bodyPr lIns="0" tIns="0" rIns="0" bIns="0" anchor="ctr"/>
+          <a:lstStyle/>
           <a:p>
             <a:pPr algn="ctr"/>
             <a:endParaRPr/>
@@ -203,7 +308,8 @@
           </a:prstGeom>
         </p:spPr>
         <p:txBody>
-          <a:bodyPr lIns="0" rIns="0" tIns="0" bIns="0"/>
+          <a:bodyPr lIns="0" tIns="0" rIns="0" bIns="0"/>
+          <a:lstStyle/>
           <a:p>
             <a:endParaRPr/>
           </a:p>
@@ -229,7 +335,8 @@
           </a:prstGeom>
         </p:spPr>
         <p:txBody>
-          <a:bodyPr lIns="0" rIns="0" tIns="0" bIns="0"/>
+          <a:bodyPr lIns="0" tIns="0" rIns="0" bIns="0"/>
+          <a:lstStyle/>
           <a:p>
             <a:endParaRPr/>
           </a:p>
@@ -255,7 +362,8 @@
           </a:prstGeom>
         </p:spPr>
         <p:txBody>
-          <a:bodyPr lIns="0" rIns="0" tIns="0" bIns="0"/>
+          <a:bodyPr lIns="0" tIns="0" rIns="0" bIns="0"/>
+          <a:lstStyle/>
           <a:p>
             <a:endParaRPr/>
           </a:p>
@@ -281,7 +389,8 @@
           </a:prstGeom>
         </p:spPr>
         <p:txBody>
-          <a:bodyPr lIns="0" rIns="0" tIns="0" bIns="0"/>
+          <a:bodyPr lIns="0" tIns="0" rIns="0" bIns="0"/>
+          <a:lstStyle/>
           <a:p>
             <a:endParaRPr/>
           </a:p>
@@ -289,11 +398,14 @@
       </p:sp>
     </p:spTree>
   </p:cSld>
+  <p:clrMapOvr>
+    <a:masterClrMapping/>
+  </p:clrMapOvr>
 </p:sldLayout>
 </file>
 
 <file path=ppt/slideLayouts/slideLayout12.xml><?xml version="1.0" encoding="utf-8"?>
-<p:sldLayout xmlns:a="http://schemas.openxmlformats.org/drawingml/2006/main" xmlns:p="http://schemas.openxmlformats.org/presentationml/2006/main" xmlns:r="http://schemas.openxmlformats.org/officeDocument/2006/relationships" type="blank" preserve="1">
+<p:sldLayout xmlns:a="http://schemas.openxmlformats.org/drawingml/2006/main" xmlns:r="http://schemas.openxmlformats.org/officeDocument/2006/relationships" xmlns:p="http://schemas.openxmlformats.org/presentationml/2006/main" type="blank" preserve="1">
   <p:cSld name="Title, 6 Content">
     <p:spTree>
       <p:nvGrpSpPr>
@@ -329,7 +441,8 @@
           </a:prstGeom>
         </p:spPr>
         <p:txBody>
-          <a:bodyPr lIns="0" rIns="0" tIns="0" bIns="0" anchor="ctr"/>
+          <a:bodyPr lIns="0" tIns="0" rIns="0" bIns="0" anchor="ctr"/>
+          <a:lstStyle/>
           <a:p>
             <a:pPr algn="ctr"/>
             <a:endParaRPr/>
@@ -356,7 +469,8 @@
           </a:prstGeom>
         </p:spPr>
         <p:txBody>
-          <a:bodyPr lIns="0" rIns="0" tIns="0" bIns="0"/>
+          <a:bodyPr lIns="0" tIns="0" rIns="0" bIns="0"/>
+          <a:lstStyle/>
           <a:p>
             <a:endParaRPr/>
           </a:p>
@@ -382,7 +496,8 @@
           </a:prstGeom>
         </p:spPr>
         <p:txBody>
-          <a:bodyPr lIns="0" rIns="0" tIns="0" bIns="0"/>
+          <a:bodyPr lIns="0" tIns="0" rIns="0" bIns="0"/>
+          <a:lstStyle/>
           <a:p>
             <a:endParaRPr/>
           </a:p>
@@ -390,7 +505,7 @@
       </p:sp>
       <p:pic>
         <p:nvPicPr>
-          <p:cNvPr id="35" name="" descr=""/>
+          <p:cNvPr id="35" name="34 Imagen"/>
           <p:cNvPicPr/>
           <p:nvPr/>
         </p:nvPicPr>
@@ -415,12 +530,12 @@
       </p:pic>
       <p:pic>
         <p:nvPicPr>
-          <p:cNvPr id="36" name="" descr=""/>
+          <p:cNvPr id="36" name="35 Imagen"/>
           <p:cNvPicPr/>
           <p:nvPr/>
         </p:nvPicPr>
         <p:blipFill>
-          <a:blip r:embed="rId3"/>
+          <a:blip r:embed="rId2"/>
           <a:stretch>
             <a:fillRect/>
           </a:stretch>
@@ -440,11 +555,14 @@
       </p:pic>
     </p:spTree>
   </p:cSld>
+  <p:clrMapOvr>
+    <a:masterClrMapping/>
+  </p:clrMapOvr>
 </p:sldLayout>
 </file>
 
 <file path=ppt/slideLayouts/slideLayout13.xml><?xml version="1.0" encoding="utf-8"?>
-<p:sldLayout xmlns:a="http://schemas.openxmlformats.org/drawingml/2006/main" xmlns:p="http://schemas.openxmlformats.org/presentationml/2006/main" xmlns:r="http://schemas.openxmlformats.org/officeDocument/2006/relationships" type="blank" preserve="1">
+<p:sldLayout xmlns:a="http://schemas.openxmlformats.org/drawingml/2006/main" xmlns:r="http://schemas.openxmlformats.org/officeDocument/2006/relationships" xmlns:p="http://schemas.openxmlformats.org/presentationml/2006/main" type="blank" preserve="1">
   <p:cSld name="Blank Slide">
     <p:spTree>
       <p:nvGrpSpPr>
@@ -462,11 +580,14 @@
       </p:grpSpPr>
     </p:spTree>
   </p:cSld>
+  <p:clrMapOvr>
+    <a:masterClrMapping/>
+  </p:clrMapOvr>
 </p:sldLayout>
 </file>
 
 <file path=ppt/slideLayouts/slideLayout14.xml><?xml version="1.0" encoding="utf-8"?>
-<p:sldLayout xmlns:a="http://schemas.openxmlformats.org/drawingml/2006/main" xmlns:p="http://schemas.openxmlformats.org/presentationml/2006/main" xmlns:r="http://schemas.openxmlformats.org/officeDocument/2006/relationships" type="tx" preserve="1">
+<p:sldLayout xmlns:a="http://schemas.openxmlformats.org/drawingml/2006/main" xmlns:r="http://schemas.openxmlformats.org/officeDocument/2006/relationships" xmlns:p="http://schemas.openxmlformats.org/presentationml/2006/main" type="tx" preserve="1">
   <p:cSld name="Title Slide">
     <p:spTree>
       <p:nvGrpSpPr>
@@ -502,7 +623,8 @@
           </a:prstGeom>
         </p:spPr>
         <p:txBody>
-          <a:bodyPr lIns="0" rIns="0" tIns="0" bIns="0" anchor="ctr"/>
+          <a:bodyPr lIns="0" tIns="0" rIns="0" bIns="0" anchor="ctr"/>
+          <a:lstStyle/>
           <a:p>
             <a:pPr algn="ctr"/>
             <a:endParaRPr/>
@@ -529,7 +651,8 @@
           </a:prstGeom>
         </p:spPr>
         <p:txBody>
-          <a:bodyPr lIns="0" rIns="0" tIns="0" bIns="0" anchor="ctr"/>
+          <a:bodyPr lIns="0" tIns="0" rIns="0" bIns="0" anchor="ctr"/>
+          <a:lstStyle/>
           <a:p>
             <a:pPr algn="ctr"/>
             <a:endParaRPr/>
@@ -538,11 +661,14 @@
       </p:sp>
     </p:spTree>
   </p:cSld>
+  <p:clrMapOvr>
+    <a:masterClrMapping/>
+  </p:clrMapOvr>
 </p:sldLayout>
 </file>
 
 <file path=ppt/slideLayouts/slideLayout15.xml><?xml version="1.0" encoding="utf-8"?>
-<p:sldLayout xmlns:a="http://schemas.openxmlformats.org/drawingml/2006/main" xmlns:p="http://schemas.openxmlformats.org/presentationml/2006/main" xmlns:r="http://schemas.openxmlformats.org/officeDocument/2006/relationships" type="obj" preserve="1">
+<p:sldLayout xmlns:a="http://schemas.openxmlformats.org/drawingml/2006/main" xmlns:r="http://schemas.openxmlformats.org/officeDocument/2006/relationships" xmlns:p="http://schemas.openxmlformats.org/presentationml/2006/main" type="obj" preserve="1">
   <p:cSld name="Title, Content">
     <p:spTree>
       <p:nvGrpSpPr>
@@ -578,7 +704,8 @@
           </a:prstGeom>
         </p:spPr>
         <p:txBody>
-          <a:bodyPr lIns="0" rIns="0" tIns="0" bIns="0" anchor="ctr"/>
+          <a:bodyPr lIns="0" tIns="0" rIns="0" bIns="0" anchor="ctr"/>
+          <a:lstStyle/>
           <a:p>
             <a:pPr algn="ctr"/>
             <a:endParaRPr/>
@@ -605,7 +732,8 @@
           </a:prstGeom>
         </p:spPr>
         <p:txBody>
-          <a:bodyPr lIns="0" rIns="0" tIns="0" bIns="0"/>
+          <a:bodyPr lIns="0" tIns="0" rIns="0" bIns="0"/>
+          <a:lstStyle/>
           <a:p>
             <a:endParaRPr/>
           </a:p>
@@ -613,11 +741,14 @@
       </p:sp>
     </p:spTree>
   </p:cSld>
+  <p:clrMapOvr>
+    <a:masterClrMapping/>
+  </p:clrMapOvr>
 </p:sldLayout>
 </file>
 
 <file path=ppt/slideLayouts/slideLayout16.xml><?xml version="1.0" encoding="utf-8"?>
-<p:sldLayout xmlns:a="http://schemas.openxmlformats.org/drawingml/2006/main" xmlns:p="http://schemas.openxmlformats.org/presentationml/2006/main" xmlns:r="http://schemas.openxmlformats.org/officeDocument/2006/relationships" type="twoObj" preserve="1">
+<p:sldLayout xmlns:a="http://schemas.openxmlformats.org/drawingml/2006/main" xmlns:r="http://schemas.openxmlformats.org/officeDocument/2006/relationships" xmlns:p="http://schemas.openxmlformats.org/presentationml/2006/main" type="twoObj" preserve="1">
   <p:cSld name="Title, 2 Content">
     <p:spTree>
       <p:nvGrpSpPr>
@@ -653,7 +784,8 @@
           </a:prstGeom>
         </p:spPr>
         <p:txBody>
-          <a:bodyPr lIns="0" rIns="0" tIns="0" bIns="0" anchor="ctr"/>
+          <a:bodyPr lIns="0" tIns="0" rIns="0" bIns="0" anchor="ctr"/>
+          <a:lstStyle/>
           <a:p>
             <a:pPr algn="ctr"/>
             <a:endParaRPr/>
@@ -680,7 +812,8 @@
           </a:prstGeom>
         </p:spPr>
         <p:txBody>
-          <a:bodyPr lIns="0" rIns="0" tIns="0" bIns="0"/>
+          <a:bodyPr lIns="0" tIns="0" rIns="0" bIns="0"/>
+          <a:lstStyle/>
           <a:p>
             <a:endParaRPr/>
           </a:p>
@@ -706,7 +839,8 @@
           </a:prstGeom>
         </p:spPr>
         <p:txBody>
-          <a:bodyPr lIns="0" rIns="0" tIns="0" bIns="0"/>
+          <a:bodyPr lIns="0" tIns="0" rIns="0" bIns="0"/>
+          <a:lstStyle/>
           <a:p>
             <a:endParaRPr/>
           </a:p>
@@ -714,11 +848,14 @@
       </p:sp>
     </p:spTree>
   </p:cSld>
+  <p:clrMapOvr>
+    <a:masterClrMapping/>
+  </p:clrMapOvr>
 </p:sldLayout>
 </file>
 
 <file path=ppt/slideLayouts/slideLayout17.xml><?xml version="1.0" encoding="utf-8"?>
-<p:sldLayout xmlns:a="http://schemas.openxmlformats.org/drawingml/2006/main" xmlns:p="http://schemas.openxmlformats.org/presentationml/2006/main" xmlns:r="http://schemas.openxmlformats.org/officeDocument/2006/relationships" type="titleOnly" preserve="1">
+<p:sldLayout xmlns:a="http://schemas.openxmlformats.org/drawingml/2006/main" xmlns:r="http://schemas.openxmlformats.org/officeDocument/2006/relationships" xmlns:p="http://schemas.openxmlformats.org/presentationml/2006/main" type="titleOnly" preserve="1">
   <p:cSld name="Title Only">
     <p:spTree>
       <p:nvGrpSpPr>
@@ -754,7 +891,8 @@
           </a:prstGeom>
         </p:spPr>
         <p:txBody>
-          <a:bodyPr lIns="0" rIns="0" tIns="0" bIns="0" anchor="ctr"/>
+          <a:bodyPr lIns="0" tIns="0" rIns="0" bIns="0" anchor="ctr"/>
+          <a:lstStyle/>
           <a:p>
             <a:pPr algn="ctr"/>
             <a:endParaRPr/>
@@ -763,11 +901,14 @@
       </p:sp>
     </p:spTree>
   </p:cSld>
+  <p:clrMapOvr>
+    <a:masterClrMapping/>
+  </p:clrMapOvr>
 </p:sldLayout>
 </file>
 
 <file path=ppt/slideLayouts/slideLayout18.xml><?xml version="1.0" encoding="utf-8"?>
-<p:sldLayout xmlns:a="http://schemas.openxmlformats.org/drawingml/2006/main" xmlns:p="http://schemas.openxmlformats.org/presentationml/2006/main" xmlns:r="http://schemas.openxmlformats.org/officeDocument/2006/relationships" type="objOnly" preserve="1">
+<p:sldLayout xmlns:a="http://schemas.openxmlformats.org/drawingml/2006/main" xmlns:r="http://schemas.openxmlformats.org/officeDocument/2006/relationships" xmlns:p="http://schemas.openxmlformats.org/presentationml/2006/main" type="objOnly" preserve="1">
   <p:cSld name="Centered Text">
     <p:spTree>
       <p:nvGrpSpPr>
@@ -803,7 +944,8 @@
           </a:prstGeom>
         </p:spPr>
         <p:txBody>
-          <a:bodyPr lIns="0" rIns="0" tIns="0" bIns="0" anchor="ctr"/>
+          <a:bodyPr lIns="0" tIns="0" rIns="0" bIns="0" anchor="ctr"/>
+          <a:lstStyle/>
           <a:p>
             <a:pPr algn="ctr"/>
             <a:endParaRPr/>
@@ -812,11 +954,14 @@
       </p:sp>
     </p:spTree>
   </p:cSld>
+  <p:clrMapOvr>
+    <a:masterClrMapping/>
+  </p:clrMapOvr>
 </p:sldLayout>
 </file>
 
 <file path=ppt/slideLayouts/slideLayout19.xml><?xml version="1.0" encoding="utf-8"?>
-<p:sldLayout xmlns:a="http://schemas.openxmlformats.org/drawingml/2006/main" xmlns:p="http://schemas.openxmlformats.org/presentationml/2006/main" xmlns:r="http://schemas.openxmlformats.org/officeDocument/2006/relationships" type="twoObjAndObj" preserve="1">
+<p:sldLayout xmlns:a="http://schemas.openxmlformats.org/drawingml/2006/main" xmlns:r="http://schemas.openxmlformats.org/officeDocument/2006/relationships" xmlns:p="http://schemas.openxmlformats.org/presentationml/2006/main" type="twoObjAndObj" preserve="1">
   <p:cSld name="Title, 2 Content and Content">
     <p:spTree>
       <p:nvGrpSpPr>
@@ -852,7 +997,8 @@
           </a:prstGeom>
         </p:spPr>
         <p:txBody>
-          <a:bodyPr lIns="0" rIns="0" tIns="0" bIns="0" anchor="ctr"/>
+          <a:bodyPr lIns="0" tIns="0" rIns="0" bIns="0" anchor="ctr"/>
+          <a:lstStyle/>
           <a:p>
             <a:pPr algn="ctr"/>
             <a:endParaRPr/>
@@ -879,7 +1025,8 @@
           </a:prstGeom>
         </p:spPr>
         <p:txBody>
-          <a:bodyPr lIns="0" rIns="0" tIns="0" bIns="0"/>
+          <a:bodyPr lIns="0" tIns="0" rIns="0" bIns="0"/>
+          <a:lstStyle/>
           <a:p>
             <a:endParaRPr/>
           </a:p>
@@ -905,7 +1052,8 @@
           </a:prstGeom>
         </p:spPr>
         <p:txBody>
-          <a:bodyPr lIns="0" rIns="0" tIns="0" bIns="0"/>
+          <a:bodyPr lIns="0" tIns="0" rIns="0" bIns="0"/>
+          <a:lstStyle/>
           <a:p>
             <a:endParaRPr/>
           </a:p>
@@ -931,7 +1079,8 @@
           </a:prstGeom>
         </p:spPr>
         <p:txBody>
-          <a:bodyPr lIns="0" rIns="0" tIns="0" bIns="0"/>
+          <a:bodyPr lIns="0" tIns="0" rIns="0" bIns="0"/>
+          <a:lstStyle/>
           <a:p>
             <a:endParaRPr/>
           </a:p>
@@ -939,11 +1088,14 @@
       </p:sp>
     </p:spTree>
   </p:cSld>
+  <p:clrMapOvr>
+    <a:masterClrMapping/>
+  </p:clrMapOvr>
 </p:sldLayout>
 </file>
 
 <file path=ppt/slideLayouts/slideLayout2.xml><?xml version="1.0" encoding="utf-8"?>
-<p:sldLayout xmlns:a="http://schemas.openxmlformats.org/drawingml/2006/main" xmlns:p="http://schemas.openxmlformats.org/presentationml/2006/main" xmlns:r="http://schemas.openxmlformats.org/officeDocument/2006/relationships" type="tx" preserve="1">
+<p:sldLayout xmlns:a="http://schemas.openxmlformats.org/drawingml/2006/main" xmlns:r="http://schemas.openxmlformats.org/officeDocument/2006/relationships" xmlns:p="http://schemas.openxmlformats.org/presentationml/2006/main" type="tx" preserve="1">
   <p:cSld name="Title Slide">
     <p:spTree>
       <p:nvGrpSpPr>
@@ -979,7 +1131,8 @@
           </a:prstGeom>
         </p:spPr>
         <p:txBody>
-          <a:bodyPr lIns="0" rIns="0" tIns="0" bIns="0" anchor="ctr"/>
+          <a:bodyPr lIns="0" tIns="0" rIns="0" bIns="0" anchor="ctr"/>
+          <a:lstStyle/>
           <a:p>
             <a:pPr algn="ctr"/>
             <a:endParaRPr/>
@@ -1006,7 +1159,8 @@
           </a:prstGeom>
         </p:spPr>
         <p:txBody>
-          <a:bodyPr lIns="0" rIns="0" tIns="0" bIns="0" anchor="ctr"/>
+          <a:bodyPr lIns="0" tIns="0" rIns="0" bIns="0" anchor="ctr"/>
+          <a:lstStyle/>
           <a:p>
             <a:pPr algn="ctr"/>
             <a:endParaRPr/>
@@ -1015,11 +1169,14 @@
       </p:sp>
     </p:spTree>
   </p:cSld>
+  <p:clrMapOvr>
+    <a:masterClrMapping/>
+  </p:clrMapOvr>
 </p:sldLayout>
 </file>
 
 <file path=ppt/slideLayouts/slideLayout20.xml><?xml version="1.0" encoding="utf-8"?>
-<p:sldLayout xmlns:a="http://schemas.openxmlformats.org/drawingml/2006/main" xmlns:p="http://schemas.openxmlformats.org/presentationml/2006/main" xmlns:r="http://schemas.openxmlformats.org/officeDocument/2006/relationships" type="objAndTwoObj" preserve="1">
+<p:sldLayout xmlns:a="http://schemas.openxmlformats.org/drawingml/2006/main" xmlns:r="http://schemas.openxmlformats.org/officeDocument/2006/relationships" xmlns:p="http://schemas.openxmlformats.org/presentationml/2006/main" type="objAndTwoObj" preserve="1">
   <p:cSld name="Title Content and 2 Content">
     <p:spTree>
       <p:nvGrpSpPr>
@@ -1055,7 +1212,8 @@
           </a:prstGeom>
         </p:spPr>
         <p:txBody>
-          <a:bodyPr lIns="0" rIns="0" tIns="0" bIns="0" anchor="ctr"/>
+          <a:bodyPr lIns="0" tIns="0" rIns="0" bIns="0" anchor="ctr"/>
+          <a:lstStyle/>
           <a:p>
             <a:pPr algn="ctr"/>
             <a:endParaRPr/>
@@ -1082,7 +1240,8 @@
           </a:prstGeom>
         </p:spPr>
         <p:txBody>
-          <a:bodyPr lIns="0" rIns="0" tIns="0" bIns="0"/>
+          <a:bodyPr lIns="0" tIns="0" rIns="0" bIns="0"/>
+          <a:lstStyle/>
           <a:p>
             <a:endParaRPr/>
           </a:p>
@@ -1108,7 +1267,8 @@
           </a:prstGeom>
         </p:spPr>
         <p:txBody>
-          <a:bodyPr lIns="0" rIns="0" tIns="0" bIns="0"/>
+          <a:bodyPr lIns="0" tIns="0" rIns="0" bIns="0"/>
+          <a:lstStyle/>
           <a:p>
             <a:endParaRPr/>
           </a:p>
@@ -1134,7 +1294,8 @@
           </a:prstGeom>
         </p:spPr>
         <p:txBody>
-          <a:bodyPr lIns="0" rIns="0" tIns="0" bIns="0"/>
+          <a:bodyPr lIns="0" tIns="0" rIns="0" bIns="0"/>
+          <a:lstStyle/>
           <a:p>
             <a:endParaRPr/>
           </a:p>
@@ -1142,11 +1303,14 @@
       </p:sp>
     </p:spTree>
   </p:cSld>
+  <p:clrMapOvr>
+    <a:masterClrMapping/>
+  </p:clrMapOvr>
 </p:sldLayout>
 </file>
 
 <file path=ppt/slideLayouts/slideLayout21.xml><?xml version="1.0" encoding="utf-8"?>
-<p:sldLayout xmlns:a="http://schemas.openxmlformats.org/drawingml/2006/main" xmlns:p="http://schemas.openxmlformats.org/presentationml/2006/main" xmlns:r="http://schemas.openxmlformats.org/officeDocument/2006/relationships" type="twoObjOverTx" preserve="1">
+<p:sldLayout xmlns:a="http://schemas.openxmlformats.org/drawingml/2006/main" xmlns:r="http://schemas.openxmlformats.org/officeDocument/2006/relationships" xmlns:p="http://schemas.openxmlformats.org/presentationml/2006/main" type="twoObjOverTx" preserve="1">
   <p:cSld name="Title, 2 Content over Content">
     <p:spTree>
       <p:nvGrpSpPr>
@@ -1182,7 +1346,8 @@
           </a:prstGeom>
         </p:spPr>
         <p:txBody>
-          <a:bodyPr lIns="0" rIns="0" tIns="0" bIns="0" anchor="ctr"/>
+          <a:bodyPr lIns="0" tIns="0" rIns="0" bIns="0" anchor="ctr"/>
+          <a:lstStyle/>
           <a:p>
             <a:pPr algn="ctr"/>
             <a:endParaRPr/>
@@ -1209,7 +1374,8 @@
           </a:prstGeom>
         </p:spPr>
         <p:txBody>
-          <a:bodyPr lIns="0" rIns="0" tIns="0" bIns="0"/>
+          <a:bodyPr lIns="0" tIns="0" rIns="0" bIns="0"/>
+          <a:lstStyle/>
           <a:p>
             <a:endParaRPr/>
           </a:p>
@@ -1235,7 +1401,8 @@
           </a:prstGeom>
         </p:spPr>
         <p:txBody>
-          <a:bodyPr lIns="0" rIns="0" tIns="0" bIns="0"/>
+          <a:bodyPr lIns="0" tIns="0" rIns="0" bIns="0"/>
+          <a:lstStyle/>
           <a:p>
             <a:endParaRPr/>
           </a:p>
@@ -1261,7 +1428,8 @@
           </a:prstGeom>
         </p:spPr>
         <p:txBody>
-          <a:bodyPr lIns="0" rIns="0" tIns="0" bIns="0"/>
+          <a:bodyPr lIns="0" tIns="0" rIns="0" bIns="0"/>
+          <a:lstStyle/>
           <a:p>
             <a:endParaRPr/>
           </a:p>
@@ -1269,11 +1437,14 @@
       </p:sp>
     </p:spTree>
   </p:cSld>
+  <p:clrMapOvr>
+    <a:masterClrMapping/>
+  </p:clrMapOvr>
 </p:sldLayout>
 </file>
 
 <file path=ppt/slideLayouts/slideLayout22.xml><?xml version="1.0" encoding="utf-8"?>
-<p:sldLayout xmlns:a="http://schemas.openxmlformats.org/drawingml/2006/main" xmlns:p="http://schemas.openxmlformats.org/presentationml/2006/main" xmlns:r="http://schemas.openxmlformats.org/officeDocument/2006/relationships" type="objOverTx" preserve="1">
+<p:sldLayout xmlns:a="http://schemas.openxmlformats.org/drawingml/2006/main" xmlns:r="http://schemas.openxmlformats.org/officeDocument/2006/relationships" xmlns:p="http://schemas.openxmlformats.org/presentationml/2006/main" type="objOverTx" preserve="1">
   <p:cSld name="Title, Content over Content">
     <p:spTree>
       <p:nvGrpSpPr>
@@ -1309,7 +1480,8 @@
           </a:prstGeom>
         </p:spPr>
         <p:txBody>
-          <a:bodyPr lIns="0" rIns="0" tIns="0" bIns="0" anchor="ctr"/>
+          <a:bodyPr lIns="0" tIns="0" rIns="0" bIns="0" anchor="ctr"/>
+          <a:lstStyle/>
           <a:p>
             <a:pPr algn="ctr"/>
             <a:endParaRPr/>
@@ -1336,7 +1508,8 @@
           </a:prstGeom>
         </p:spPr>
         <p:txBody>
-          <a:bodyPr lIns="0" rIns="0" tIns="0" bIns="0"/>
+          <a:bodyPr lIns="0" tIns="0" rIns="0" bIns="0"/>
+          <a:lstStyle/>
           <a:p>
             <a:endParaRPr/>
           </a:p>
@@ -1362,7 +1535,8 @@
           </a:prstGeom>
         </p:spPr>
         <p:txBody>
-          <a:bodyPr lIns="0" rIns="0" tIns="0" bIns="0"/>
+          <a:bodyPr lIns="0" tIns="0" rIns="0" bIns="0"/>
+          <a:lstStyle/>
           <a:p>
             <a:endParaRPr/>
           </a:p>
@@ -1370,11 +1544,14 @@
       </p:sp>
     </p:spTree>
   </p:cSld>
+  <p:clrMapOvr>
+    <a:masterClrMapping/>
+  </p:clrMapOvr>
 </p:sldLayout>
 </file>
 
 <file path=ppt/slideLayouts/slideLayout23.xml><?xml version="1.0" encoding="utf-8"?>
-<p:sldLayout xmlns:a="http://schemas.openxmlformats.org/drawingml/2006/main" xmlns:p="http://schemas.openxmlformats.org/presentationml/2006/main" xmlns:r="http://schemas.openxmlformats.org/officeDocument/2006/relationships" type="fourObj" preserve="1">
+<p:sldLayout xmlns:a="http://schemas.openxmlformats.org/drawingml/2006/main" xmlns:r="http://schemas.openxmlformats.org/officeDocument/2006/relationships" xmlns:p="http://schemas.openxmlformats.org/presentationml/2006/main" type="fourObj" preserve="1">
   <p:cSld name="Title, 4 Content">
     <p:spTree>
       <p:nvGrpSpPr>
@@ -1410,7 +1587,8 @@
           </a:prstGeom>
         </p:spPr>
         <p:txBody>
-          <a:bodyPr lIns="0" rIns="0" tIns="0" bIns="0" anchor="ctr"/>
+          <a:bodyPr lIns="0" tIns="0" rIns="0" bIns="0" anchor="ctr"/>
+          <a:lstStyle/>
           <a:p>
             <a:pPr algn="ctr"/>
             <a:endParaRPr/>
@@ -1437,7 +1615,8 @@
           </a:prstGeom>
         </p:spPr>
         <p:txBody>
-          <a:bodyPr lIns="0" rIns="0" tIns="0" bIns="0"/>
+          <a:bodyPr lIns="0" tIns="0" rIns="0" bIns="0"/>
+          <a:lstStyle/>
           <a:p>
             <a:endParaRPr/>
           </a:p>
@@ -1463,7 +1642,8 @@
           </a:prstGeom>
         </p:spPr>
         <p:txBody>
-          <a:bodyPr lIns="0" rIns="0" tIns="0" bIns="0"/>
+          <a:bodyPr lIns="0" tIns="0" rIns="0" bIns="0"/>
+          <a:lstStyle/>
           <a:p>
             <a:endParaRPr/>
           </a:p>
@@ -1489,7 +1669,8 @@
           </a:prstGeom>
         </p:spPr>
         <p:txBody>
-          <a:bodyPr lIns="0" rIns="0" tIns="0" bIns="0"/>
+          <a:bodyPr lIns="0" tIns="0" rIns="0" bIns="0"/>
+          <a:lstStyle/>
           <a:p>
             <a:endParaRPr/>
           </a:p>
@@ -1515,7 +1696,8 @@
           </a:prstGeom>
         </p:spPr>
         <p:txBody>
-          <a:bodyPr lIns="0" rIns="0" tIns="0" bIns="0"/>
+          <a:bodyPr lIns="0" tIns="0" rIns="0" bIns="0"/>
+          <a:lstStyle/>
           <a:p>
             <a:endParaRPr/>
           </a:p>
@@ -1523,11 +1705,14 @@
       </p:sp>
     </p:spTree>
   </p:cSld>
+  <p:clrMapOvr>
+    <a:masterClrMapping/>
+  </p:clrMapOvr>
 </p:sldLayout>
 </file>
 
 <file path=ppt/slideLayouts/slideLayout24.xml><?xml version="1.0" encoding="utf-8"?>
-<p:sldLayout xmlns:a="http://schemas.openxmlformats.org/drawingml/2006/main" xmlns:p="http://schemas.openxmlformats.org/presentationml/2006/main" xmlns:r="http://schemas.openxmlformats.org/officeDocument/2006/relationships" type="blank" preserve="1">
+<p:sldLayout xmlns:a="http://schemas.openxmlformats.org/drawingml/2006/main" xmlns:r="http://schemas.openxmlformats.org/officeDocument/2006/relationships" xmlns:p="http://schemas.openxmlformats.org/presentationml/2006/main" type="blank" preserve="1">
   <p:cSld name="Title, 6 Content">
     <p:spTree>
       <p:nvGrpSpPr>
@@ -1563,7 +1748,8 @@
           </a:prstGeom>
         </p:spPr>
         <p:txBody>
-          <a:bodyPr lIns="0" rIns="0" tIns="0" bIns="0" anchor="ctr"/>
+          <a:bodyPr lIns="0" tIns="0" rIns="0" bIns="0" anchor="ctr"/>
+          <a:lstStyle/>
           <a:p>
             <a:pPr algn="ctr"/>
             <a:endParaRPr/>
@@ -1590,7 +1776,8 @@
           </a:prstGeom>
         </p:spPr>
         <p:txBody>
-          <a:bodyPr lIns="0" rIns="0" tIns="0" bIns="0"/>
+          <a:bodyPr lIns="0" tIns="0" rIns="0" bIns="0"/>
+          <a:lstStyle/>
           <a:p>
             <a:endParaRPr/>
           </a:p>
@@ -1616,7 +1803,8 @@
           </a:prstGeom>
         </p:spPr>
         <p:txBody>
-          <a:bodyPr lIns="0" rIns="0" tIns="0" bIns="0"/>
+          <a:bodyPr lIns="0" tIns="0" rIns="0" bIns="0"/>
+          <a:lstStyle/>
           <a:p>
             <a:endParaRPr/>
           </a:p>
@@ -1624,7 +1812,7 @@
       </p:sp>
       <p:pic>
         <p:nvPicPr>
-          <p:cNvPr id="72" name="" descr=""/>
+          <p:cNvPr id="72" name="71 Imagen"/>
           <p:cNvPicPr/>
           <p:nvPr/>
         </p:nvPicPr>
@@ -1649,12 +1837,12 @@
       </p:pic>
       <p:pic>
         <p:nvPicPr>
-          <p:cNvPr id="73" name="" descr=""/>
+          <p:cNvPr id="73" name="72 Imagen"/>
           <p:cNvPicPr/>
           <p:nvPr/>
         </p:nvPicPr>
         <p:blipFill>
-          <a:blip r:embed="rId3"/>
+          <a:blip r:embed="rId2"/>
           <a:stretch>
             <a:fillRect/>
           </a:stretch>
@@ -1674,11 +1862,14 @@
       </p:pic>
     </p:spTree>
   </p:cSld>
+  <p:clrMapOvr>
+    <a:masterClrMapping/>
+  </p:clrMapOvr>
 </p:sldLayout>
 </file>
 
 <file path=ppt/slideLayouts/slideLayout3.xml><?xml version="1.0" encoding="utf-8"?>
-<p:sldLayout xmlns:a="http://schemas.openxmlformats.org/drawingml/2006/main" xmlns:p="http://schemas.openxmlformats.org/presentationml/2006/main" xmlns:r="http://schemas.openxmlformats.org/officeDocument/2006/relationships" type="obj" preserve="1">
+<p:sldLayout xmlns:a="http://schemas.openxmlformats.org/drawingml/2006/main" xmlns:r="http://schemas.openxmlformats.org/officeDocument/2006/relationships" xmlns:p="http://schemas.openxmlformats.org/presentationml/2006/main" type="obj" preserve="1">
   <p:cSld name="Title, Content">
     <p:spTree>
       <p:nvGrpSpPr>
@@ -1714,7 +1905,8 @@
           </a:prstGeom>
         </p:spPr>
         <p:txBody>
-          <a:bodyPr lIns="0" rIns="0" tIns="0" bIns="0" anchor="ctr"/>
+          <a:bodyPr lIns="0" tIns="0" rIns="0" bIns="0" anchor="ctr"/>
+          <a:lstStyle/>
           <a:p>
             <a:pPr algn="ctr"/>
             <a:endParaRPr/>
@@ -1741,7 +1933,8 @@
           </a:prstGeom>
         </p:spPr>
         <p:txBody>
-          <a:bodyPr lIns="0" rIns="0" tIns="0" bIns="0"/>
+          <a:bodyPr lIns="0" tIns="0" rIns="0" bIns="0"/>
+          <a:lstStyle/>
           <a:p>
             <a:endParaRPr/>
           </a:p>
@@ -1749,11 +1942,14 @@
       </p:sp>
     </p:spTree>
   </p:cSld>
+  <p:clrMapOvr>
+    <a:masterClrMapping/>
+  </p:clrMapOvr>
 </p:sldLayout>
 </file>
 
 <file path=ppt/slideLayouts/slideLayout4.xml><?xml version="1.0" encoding="utf-8"?>
-<p:sldLayout xmlns:a="http://schemas.openxmlformats.org/drawingml/2006/main" xmlns:p="http://schemas.openxmlformats.org/presentationml/2006/main" xmlns:r="http://schemas.openxmlformats.org/officeDocument/2006/relationships" type="twoObj" preserve="1">
+<p:sldLayout xmlns:a="http://schemas.openxmlformats.org/drawingml/2006/main" xmlns:r="http://schemas.openxmlformats.org/officeDocument/2006/relationships" xmlns:p="http://schemas.openxmlformats.org/presentationml/2006/main" type="twoObj" preserve="1">
   <p:cSld name="Title, 2 Content">
     <p:spTree>
       <p:nvGrpSpPr>
@@ -1789,7 +1985,8 @@
           </a:prstGeom>
         </p:spPr>
         <p:txBody>
-          <a:bodyPr lIns="0" rIns="0" tIns="0" bIns="0" anchor="ctr"/>
+          <a:bodyPr lIns="0" tIns="0" rIns="0" bIns="0" anchor="ctr"/>
+          <a:lstStyle/>
           <a:p>
             <a:pPr algn="ctr"/>
             <a:endParaRPr/>
@@ -1816,7 +2013,8 @@
           </a:prstGeom>
         </p:spPr>
         <p:txBody>
-          <a:bodyPr lIns="0" rIns="0" tIns="0" bIns="0"/>
+          <a:bodyPr lIns="0" tIns="0" rIns="0" bIns="0"/>
+          <a:lstStyle/>
           <a:p>
             <a:endParaRPr/>
           </a:p>
@@ -1842,7 +2040,8 @@
           </a:prstGeom>
         </p:spPr>
         <p:txBody>
-          <a:bodyPr lIns="0" rIns="0" tIns="0" bIns="0"/>
+          <a:bodyPr lIns="0" tIns="0" rIns="0" bIns="0"/>
+          <a:lstStyle/>
           <a:p>
             <a:endParaRPr/>
           </a:p>
@@ -1850,11 +2049,14 @@
       </p:sp>
     </p:spTree>
   </p:cSld>
+  <p:clrMapOvr>
+    <a:masterClrMapping/>
+  </p:clrMapOvr>
 </p:sldLayout>
 </file>
 
 <file path=ppt/slideLayouts/slideLayout5.xml><?xml version="1.0" encoding="utf-8"?>
-<p:sldLayout xmlns:a="http://schemas.openxmlformats.org/drawingml/2006/main" xmlns:p="http://schemas.openxmlformats.org/presentationml/2006/main" xmlns:r="http://schemas.openxmlformats.org/officeDocument/2006/relationships" type="titleOnly" preserve="1">
+<p:sldLayout xmlns:a="http://schemas.openxmlformats.org/drawingml/2006/main" xmlns:r="http://schemas.openxmlformats.org/officeDocument/2006/relationships" xmlns:p="http://schemas.openxmlformats.org/presentationml/2006/main" type="titleOnly" preserve="1">
   <p:cSld name="Title Only">
     <p:spTree>
       <p:nvGrpSpPr>
@@ -1890,7 +2092,8 @@
           </a:prstGeom>
         </p:spPr>
         <p:txBody>
-          <a:bodyPr lIns="0" rIns="0" tIns="0" bIns="0" anchor="ctr"/>
+          <a:bodyPr lIns="0" tIns="0" rIns="0" bIns="0" anchor="ctr"/>
+          <a:lstStyle/>
           <a:p>
             <a:pPr algn="ctr"/>
             <a:endParaRPr/>
@@ -1899,11 +2102,14 @@
       </p:sp>
     </p:spTree>
   </p:cSld>
+  <p:clrMapOvr>
+    <a:masterClrMapping/>
+  </p:clrMapOvr>
 </p:sldLayout>
 </file>
 
 <file path=ppt/slideLayouts/slideLayout6.xml><?xml version="1.0" encoding="utf-8"?>
-<p:sldLayout xmlns:a="http://schemas.openxmlformats.org/drawingml/2006/main" xmlns:p="http://schemas.openxmlformats.org/presentationml/2006/main" xmlns:r="http://schemas.openxmlformats.org/officeDocument/2006/relationships" type="objOnly" preserve="1">
+<p:sldLayout xmlns:a="http://schemas.openxmlformats.org/drawingml/2006/main" xmlns:r="http://schemas.openxmlformats.org/officeDocument/2006/relationships" xmlns:p="http://schemas.openxmlformats.org/presentationml/2006/main" type="objOnly" preserve="1">
   <p:cSld name="Centered Text">
     <p:spTree>
       <p:nvGrpSpPr>
@@ -1939,7 +2145,8 @@
           </a:prstGeom>
         </p:spPr>
         <p:txBody>
-          <a:bodyPr lIns="0" rIns="0" tIns="0" bIns="0" anchor="ctr"/>
+          <a:bodyPr lIns="0" tIns="0" rIns="0" bIns="0" anchor="ctr"/>
+          <a:lstStyle/>
           <a:p>
             <a:pPr algn="ctr"/>
             <a:endParaRPr/>
@@ -1948,11 +2155,14 @@
       </p:sp>
     </p:spTree>
   </p:cSld>
+  <p:clrMapOvr>
+    <a:masterClrMapping/>
+  </p:clrMapOvr>
 </p:sldLayout>
 </file>
 
 <file path=ppt/slideLayouts/slideLayout7.xml><?xml version="1.0" encoding="utf-8"?>
-<p:sldLayout xmlns:a="http://schemas.openxmlformats.org/drawingml/2006/main" xmlns:p="http://schemas.openxmlformats.org/presentationml/2006/main" xmlns:r="http://schemas.openxmlformats.org/officeDocument/2006/relationships" type="twoObjAndObj" preserve="1">
+<p:sldLayout xmlns:a="http://schemas.openxmlformats.org/drawingml/2006/main" xmlns:r="http://schemas.openxmlformats.org/officeDocument/2006/relationships" xmlns:p="http://schemas.openxmlformats.org/presentationml/2006/main" type="twoObjAndObj" preserve="1">
   <p:cSld name="Title, 2 Content and Content">
     <p:spTree>
       <p:nvGrpSpPr>
@@ -1988,7 +2198,8 @@
           </a:prstGeom>
         </p:spPr>
         <p:txBody>
-          <a:bodyPr lIns="0" rIns="0" tIns="0" bIns="0" anchor="ctr"/>
+          <a:bodyPr lIns="0" tIns="0" rIns="0" bIns="0" anchor="ctr"/>
+          <a:lstStyle/>
           <a:p>
             <a:pPr algn="ctr"/>
             <a:endParaRPr/>
@@ -2015,7 +2226,8 @@
           </a:prstGeom>
         </p:spPr>
         <p:txBody>
-          <a:bodyPr lIns="0" rIns="0" tIns="0" bIns="0"/>
+          <a:bodyPr lIns="0" tIns="0" rIns="0" bIns="0"/>
+          <a:lstStyle/>
           <a:p>
             <a:endParaRPr/>
           </a:p>
@@ -2041,7 +2253,8 @@
           </a:prstGeom>
         </p:spPr>
         <p:txBody>
-          <a:bodyPr lIns="0" rIns="0" tIns="0" bIns="0"/>
+          <a:bodyPr lIns="0" tIns="0" rIns="0" bIns="0"/>
+          <a:lstStyle/>
           <a:p>
             <a:endParaRPr/>
           </a:p>
@@ -2067,7 +2280,8 @@
           </a:prstGeom>
         </p:spPr>
         <p:txBody>
-          <a:bodyPr lIns="0" rIns="0" tIns="0" bIns="0"/>
+          <a:bodyPr lIns="0" tIns="0" rIns="0" bIns="0"/>
+          <a:lstStyle/>
           <a:p>
             <a:endParaRPr/>
           </a:p>
@@ -2075,11 +2289,14 @@
       </p:sp>
     </p:spTree>
   </p:cSld>
+  <p:clrMapOvr>
+    <a:masterClrMapping/>
+  </p:clrMapOvr>
 </p:sldLayout>
 </file>
 
 <file path=ppt/slideLayouts/slideLayout8.xml><?xml version="1.0" encoding="utf-8"?>
-<p:sldLayout xmlns:a="http://schemas.openxmlformats.org/drawingml/2006/main" xmlns:p="http://schemas.openxmlformats.org/presentationml/2006/main" xmlns:r="http://schemas.openxmlformats.org/officeDocument/2006/relationships" type="objAndTwoObj" preserve="1">
+<p:sldLayout xmlns:a="http://schemas.openxmlformats.org/drawingml/2006/main" xmlns:r="http://schemas.openxmlformats.org/officeDocument/2006/relationships" xmlns:p="http://schemas.openxmlformats.org/presentationml/2006/main" type="objAndTwoObj" preserve="1">
   <p:cSld name="Title Content and 2 Content">
     <p:spTree>
       <p:nvGrpSpPr>
@@ -2115,7 +2332,8 @@
           </a:prstGeom>
         </p:spPr>
         <p:txBody>
-          <a:bodyPr lIns="0" rIns="0" tIns="0" bIns="0" anchor="ctr"/>
+          <a:bodyPr lIns="0" tIns="0" rIns="0" bIns="0" anchor="ctr"/>
+          <a:lstStyle/>
           <a:p>
             <a:pPr algn="ctr"/>
             <a:endParaRPr/>
@@ -2142,7 +2360,8 @@
           </a:prstGeom>
         </p:spPr>
         <p:txBody>
-          <a:bodyPr lIns="0" rIns="0" tIns="0" bIns="0"/>
+          <a:bodyPr lIns="0" tIns="0" rIns="0" bIns="0"/>
+          <a:lstStyle/>
           <a:p>
             <a:endParaRPr/>
           </a:p>
@@ -2168,7 +2387,8 @@
           </a:prstGeom>
         </p:spPr>
         <p:txBody>
-          <a:bodyPr lIns="0" rIns="0" tIns="0" bIns="0"/>
+          <a:bodyPr lIns="0" tIns="0" rIns="0" bIns="0"/>
+          <a:lstStyle/>
           <a:p>
             <a:endParaRPr/>
           </a:p>
@@ -2194,7 +2414,8 @@
           </a:prstGeom>
         </p:spPr>
         <p:txBody>
-          <a:bodyPr lIns="0" rIns="0" tIns="0" bIns="0"/>
+          <a:bodyPr lIns="0" tIns="0" rIns="0" bIns="0"/>
+          <a:lstStyle/>
           <a:p>
             <a:endParaRPr/>
           </a:p>
@@ -2202,11 +2423,14 @@
       </p:sp>
     </p:spTree>
   </p:cSld>
+  <p:clrMapOvr>
+    <a:masterClrMapping/>
+  </p:clrMapOvr>
 </p:sldLayout>
 </file>
 
 <file path=ppt/slideLayouts/slideLayout9.xml><?xml version="1.0" encoding="utf-8"?>
-<p:sldLayout xmlns:a="http://schemas.openxmlformats.org/drawingml/2006/main" xmlns:p="http://schemas.openxmlformats.org/presentationml/2006/main" xmlns:r="http://schemas.openxmlformats.org/officeDocument/2006/relationships" type="twoObjOverTx" preserve="1">
+<p:sldLayout xmlns:a="http://schemas.openxmlformats.org/drawingml/2006/main" xmlns:r="http://schemas.openxmlformats.org/officeDocument/2006/relationships" xmlns:p="http://schemas.openxmlformats.org/presentationml/2006/main" type="twoObjOverTx" preserve="1">
   <p:cSld name="Title, 2 Content over Content">
     <p:spTree>
       <p:nvGrpSpPr>
@@ -2242,7 +2466,8 @@
           </a:prstGeom>
         </p:spPr>
         <p:txBody>
-          <a:bodyPr lIns="0" rIns="0" tIns="0" bIns="0" anchor="ctr"/>
+          <a:bodyPr lIns="0" tIns="0" rIns="0" bIns="0" anchor="ctr"/>
+          <a:lstStyle/>
           <a:p>
             <a:pPr algn="ctr"/>
             <a:endParaRPr/>
@@ -2269,7 +2494,8 @@
           </a:prstGeom>
         </p:spPr>
         <p:txBody>
-          <a:bodyPr lIns="0" rIns="0" tIns="0" bIns="0"/>
+          <a:bodyPr lIns="0" tIns="0" rIns="0" bIns="0"/>
+          <a:lstStyle/>
           <a:p>
             <a:endParaRPr/>
           </a:p>
@@ -2295,7 +2521,8 @@
           </a:prstGeom>
         </p:spPr>
         <p:txBody>
-          <a:bodyPr lIns="0" rIns="0" tIns="0" bIns="0"/>
+          <a:bodyPr lIns="0" tIns="0" rIns="0" bIns="0"/>
+          <a:lstStyle/>
           <a:p>
             <a:endParaRPr/>
           </a:p>
@@ -2321,7 +2548,8 @@
           </a:prstGeom>
         </p:spPr>
         <p:txBody>
-          <a:bodyPr lIns="0" rIns="0" tIns="0" bIns="0"/>
+          <a:bodyPr lIns="0" tIns="0" rIns="0" bIns="0"/>
+          <a:lstStyle/>
           <a:p>
             <a:endParaRPr/>
           </a:p>
@@ -2329,12 +2557,20 @@
       </p:sp>
     </p:spTree>
   </p:cSld>
+  <p:clrMapOvr>
+    <a:masterClrMapping/>
+  </p:clrMapOvr>
 </p:sldLayout>
 </file>
 
 <file path=ppt/slideMasters/slideMaster1.xml><?xml version="1.0" encoding="utf-8"?>
-<p:sldMaster xmlns:a="http://schemas.openxmlformats.org/drawingml/2006/main" xmlns:p="http://schemas.openxmlformats.org/presentationml/2006/main" xmlns:r="http://schemas.openxmlformats.org/officeDocument/2006/relationships">
+<p:sldMaster xmlns:a="http://schemas.openxmlformats.org/drawingml/2006/main" xmlns:r="http://schemas.openxmlformats.org/officeDocument/2006/relationships" xmlns:p="http://schemas.openxmlformats.org/presentationml/2006/main">
   <p:cSld>
+    <p:bg>
+      <p:bgRef idx="1001">
+        <a:schemeClr val="bg1"/>
+      </p:bgRef>
+    </p:bg>
     <p:spTree>
       <p:nvGrpSpPr>
         <p:cNvPr id="1" name=""/>
@@ -2351,12 +2587,12 @@
       </p:grpSpPr>
       <p:pic>
         <p:nvPicPr>
-          <p:cNvPr id="0" name="" descr=""/>
+          <p:cNvPr id="3" name="2 Imagen"/>
           <p:cNvPicPr/>
           <p:nvPr/>
         </p:nvPicPr>
         <p:blipFill>
-          <a:blip r:embed="rId2"/>
+          <a:blip r:embed="rId14"/>
           <a:stretch>
             <a:fillRect/>
           </a:stretch>
@@ -2376,7 +2612,7 @@
       </p:pic>
       <p:sp>
         <p:nvSpPr>
-          <p:cNvPr id="1" name="PlaceHolder 1"/>
+          <p:cNvPr id="4" name="PlaceHolder 1"/>
           <p:cNvSpPr>
             <a:spLocks noGrp="1"/>
           </p:cNvSpPr>
@@ -2394,7 +2630,8 @@
           </a:prstGeom>
         </p:spPr>
         <p:txBody>
-          <a:bodyPr lIns="0" rIns="0" tIns="0" bIns="0" anchor="ctr"/>
+          <a:bodyPr lIns="0" tIns="0" rIns="0" bIns="0" anchor="ctr"/>
+          <a:lstStyle/>
           <a:p>
             <a:r>
               <a:rPr lang="es-EC">
@@ -2426,7 +2663,8 @@
           </a:prstGeom>
         </p:spPr>
         <p:txBody>
-          <a:bodyPr lIns="0" rIns="0" tIns="0" bIns="0"/>
+          <a:bodyPr lIns="0" tIns="0" rIns="0" bIns="0"/>
+          <a:lstStyle/>
           <a:p>
             <a:pPr>
               <a:buSzPct val="45000"/>
@@ -2529,27 +2767,37 @@
       </p:sp>
     </p:spTree>
   </p:cSld>
-  <p:clrMap bg1="lt1" bg2="lt2" tx1="dk1" tx2="dk2" accent1="accent1" accent2="accent2" accent3="accent3" accent4="accent4" accent5="accent5" accent6="accent6" hlink="hlink" folHlink="folHlink"/>
+  <p:clrMap bg1="lt1" tx1="dk1" bg2="lt2" tx2="dk2" accent1="accent1" accent2="accent2" accent3="accent3" accent4="accent4" accent5="accent5" accent6="accent6" hlink="hlink" folHlink="folHlink"/>
   <p:sldLayoutIdLst>
-    <p:sldLayoutId id="2147483649" r:id="rId3"/>
-    <p:sldLayoutId id="2147483650" r:id="rId4"/>
-    <p:sldLayoutId id="2147483651" r:id="rId5"/>
-    <p:sldLayoutId id="2147483652" r:id="rId6"/>
-    <p:sldLayoutId id="2147483653" r:id="rId7"/>
-    <p:sldLayoutId id="2147483654" r:id="rId8"/>
-    <p:sldLayoutId id="2147483655" r:id="rId9"/>
-    <p:sldLayoutId id="2147483656" r:id="rId10"/>
-    <p:sldLayoutId id="2147483657" r:id="rId11"/>
-    <p:sldLayoutId id="2147483658" r:id="rId12"/>
-    <p:sldLayoutId id="2147483659" r:id="rId13"/>
-    <p:sldLayoutId id="2147483660" r:id="rId14"/>
+    <p:sldLayoutId id="2147483649" r:id="rId1"/>
+    <p:sldLayoutId id="2147483650" r:id="rId2"/>
+    <p:sldLayoutId id="2147483651" r:id="rId3"/>
+    <p:sldLayoutId id="2147483652" r:id="rId4"/>
+    <p:sldLayoutId id="2147483653" r:id="rId5"/>
+    <p:sldLayoutId id="2147483654" r:id="rId6"/>
+    <p:sldLayoutId id="2147483655" r:id="rId7"/>
+    <p:sldLayoutId id="2147483656" r:id="rId8"/>
+    <p:sldLayoutId id="2147483657" r:id="rId9"/>
+    <p:sldLayoutId id="2147483658" r:id="rId10"/>
+    <p:sldLayoutId id="2147483659" r:id="rId11"/>
+    <p:sldLayoutId id="2147483660" r:id="rId12"/>
   </p:sldLayoutIdLst>
+  <p:txStyles>
+    <p:titleStyle/>
+    <p:bodyStyle/>
+    <p:otherStyle/>
+  </p:txStyles>
 </p:sldMaster>
 </file>
 
 <file path=ppt/slideMasters/slideMaster2.xml><?xml version="1.0" encoding="utf-8"?>
-<p:sldMaster xmlns:a="http://schemas.openxmlformats.org/drawingml/2006/main" xmlns:p="http://schemas.openxmlformats.org/presentationml/2006/main" xmlns:r="http://schemas.openxmlformats.org/officeDocument/2006/relationships">
+<p:sldMaster xmlns:a="http://schemas.openxmlformats.org/drawingml/2006/main" xmlns:r="http://schemas.openxmlformats.org/officeDocument/2006/relationships" xmlns:p="http://schemas.openxmlformats.org/presentationml/2006/main">
   <p:cSld>
+    <p:bg>
+      <p:bgRef idx="1001">
+        <a:schemeClr val="bg1"/>
+      </p:bgRef>
+    </p:bg>
     <p:spTree>
       <p:nvGrpSpPr>
         <p:cNvPr id="1" name=""/>
@@ -2566,12 +2814,12 @@
       </p:grpSpPr>
       <p:pic>
         <p:nvPicPr>
-          <p:cNvPr id="37" name="" descr=""/>
+          <p:cNvPr id="37" name="36 Imagen"/>
           <p:cNvPicPr/>
           <p:nvPr/>
         </p:nvPicPr>
         <p:blipFill>
-          <a:blip r:embed="rId2"/>
+          <a:blip r:embed="rId14"/>
           <a:stretch>
             <a:fillRect/>
           </a:stretch>
@@ -2609,7 +2857,8 @@
           </a:prstGeom>
         </p:spPr>
         <p:txBody>
-          <a:bodyPr lIns="0" rIns="0" tIns="0" bIns="0" anchor="ctr"/>
+          <a:bodyPr lIns="0" tIns="0" rIns="0" bIns="0" anchor="ctr"/>
+          <a:lstStyle/>
           <a:p>
             <a:pPr algn="ctr"/>
             <a:r>
@@ -2642,7 +2891,8 @@
           </a:prstGeom>
         </p:spPr>
         <p:txBody>
-          <a:bodyPr lIns="0" rIns="0" tIns="0" bIns="0"/>
+          <a:bodyPr lIns="0" tIns="0" rIns="0" bIns="0"/>
+          <a:lstStyle/>
           <a:p>
             <a:pPr>
               <a:buSzPct val="45000"/>
@@ -2745,26 +2995,31 @@
       </p:sp>
     </p:spTree>
   </p:cSld>
-  <p:clrMap bg1="lt1" bg2="lt2" tx1="dk1" tx2="dk2" accent1="accent1" accent2="accent2" accent3="accent3" accent4="accent4" accent5="accent5" accent6="accent6" hlink="hlink" folHlink="folHlink"/>
+  <p:clrMap bg1="lt1" tx1="dk1" bg2="lt2" tx2="dk2" accent1="accent1" accent2="accent2" accent3="accent3" accent4="accent4" accent5="accent5" accent6="accent6" hlink="hlink" folHlink="folHlink"/>
   <p:sldLayoutIdLst>
-    <p:sldLayoutId id="2147483662" r:id="rId3"/>
-    <p:sldLayoutId id="2147483663" r:id="rId4"/>
-    <p:sldLayoutId id="2147483664" r:id="rId5"/>
-    <p:sldLayoutId id="2147483665" r:id="rId6"/>
-    <p:sldLayoutId id="2147483666" r:id="rId7"/>
-    <p:sldLayoutId id="2147483667" r:id="rId8"/>
-    <p:sldLayoutId id="2147483668" r:id="rId9"/>
-    <p:sldLayoutId id="2147483669" r:id="rId10"/>
-    <p:sldLayoutId id="2147483670" r:id="rId11"/>
-    <p:sldLayoutId id="2147483671" r:id="rId12"/>
-    <p:sldLayoutId id="2147483672" r:id="rId13"/>
-    <p:sldLayoutId id="2147483673" r:id="rId14"/>
+    <p:sldLayoutId id="2147483662" r:id="rId1"/>
+    <p:sldLayoutId id="2147483663" r:id="rId2"/>
+    <p:sldLayoutId id="2147483664" r:id="rId3"/>
+    <p:sldLayoutId id="2147483665" r:id="rId4"/>
+    <p:sldLayoutId id="2147483666" r:id="rId5"/>
+    <p:sldLayoutId id="2147483667" r:id="rId6"/>
+    <p:sldLayoutId id="2147483668" r:id="rId7"/>
+    <p:sldLayoutId id="2147483669" r:id="rId8"/>
+    <p:sldLayoutId id="2147483670" r:id="rId9"/>
+    <p:sldLayoutId id="2147483671" r:id="rId10"/>
+    <p:sldLayoutId id="2147483672" r:id="rId11"/>
+    <p:sldLayoutId id="2147483673" r:id="rId12"/>
   </p:sldLayoutIdLst>
+  <p:txStyles>
+    <p:titleStyle/>
+    <p:bodyStyle/>
+    <p:otherStyle/>
+  </p:txStyles>
 </p:sldMaster>
 </file>
 
 <file path=ppt/slides/slide1.xml><?xml version="1.0" encoding="utf-8"?>
-<p:sld xmlns:a="http://schemas.openxmlformats.org/drawingml/2006/main" xmlns:p="http://schemas.openxmlformats.org/presentationml/2006/main" xmlns:r="http://schemas.openxmlformats.org/officeDocument/2006/relationships">
+<p:sld xmlns:a="http://schemas.openxmlformats.org/drawingml/2006/main" xmlns:r="http://schemas.openxmlformats.org/officeDocument/2006/relationships" xmlns:p="http://schemas.openxmlformats.org/presentationml/2006/main">
   <p:cSld>
     <p:spTree>
       <p:nvGrpSpPr>
@@ -2800,7 +3055,8 @@
           </a:ln>
         </p:spPr>
         <p:txBody>
-          <a:bodyPr lIns="90000" rIns="90000" tIns="45000" bIns="45000" anchor="b"/>
+          <a:bodyPr lIns="90000" tIns="45000" rIns="90000" bIns="45000" anchor="b"/>
+          <a:lstStyle/>
           <a:p>
             <a:pPr>
               <a:lnSpc>
@@ -2810,20 +3066,11 @@
             <a:r>
               <a:rPr lang="es-EC" sz="5400">
                 <a:solidFill>
-                  <a:srgbClr val="ffffff"/>
+                  <a:srgbClr val="FFFFFF"/>
                 </a:solidFill>
                 <a:latin typeface="Book Antiqua"/>
               </a:rPr>
-              <a:t>     </a:t>
-            </a:r>
-            <a:r>
-              <a:rPr lang="es-EC" sz="5400">
-                <a:solidFill>
-                  <a:srgbClr val="ffffff"/>
-                </a:solidFill>
-                <a:latin typeface="Book Antiqua"/>
-              </a:rPr>
-              <a:t>Ordenar Datos</a:t>
+              <a:t>     Ordenar Datos</a:t>
             </a:r>
             <a:endParaRPr/>
           </a:p>
@@ -2831,6 +3078,9 @@
       </p:sp>
     </p:spTree>
   </p:cSld>
+  <p:clrMapOvr>
+    <a:masterClrMapping/>
+  </p:clrMapOvr>
   <p:timing>
     <p:tnLst>
       <p:par>
@@ -2839,14 +3089,14 @@
             <p:seq>
               <p:cTn id="2" nodeType="mainSeq"/>
               <p:prevCondLst>
-                <p:cond delay="0" evt="onPrev">
+                <p:cond evt="onPrev" delay="0">
                   <p:tgtEl>
                     <p:sldTgt/>
                   </p:tgtEl>
                 </p:cond>
               </p:prevCondLst>
               <p:nextCondLst>
-                <p:cond delay="0" evt="onNext">
+                <p:cond evt="onNext" delay="0">
                   <p:tgtEl>
                     <p:sldTgt/>
                   </p:tgtEl>
@@ -2862,7 +3112,7 @@
 </file>
 
 <file path=ppt/slides/slide2.xml><?xml version="1.0" encoding="utf-8"?>
-<p:sld xmlns:a="http://schemas.openxmlformats.org/drawingml/2006/main" xmlns:p="http://schemas.openxmlformats.org/presentationml/2006/main" xmlns:r="http://schemas.openxmlformats.org/officeDocument/2006/relationships">
+<p:sld xmlns:a="http://schemas.openxmlformats.org/drawingml/2006/main" xmlns:r="http://schemas.openxmlformats.org/officeDocument/2006/relationships" xmlns:p="http://schemas.openxmlformats.org/presentationml/2006/main">
   <p:cSld>
     <p:spTree>
       <p:nvGrpSpPr>
@@ -2898,10 +3148,11 @@
           </a:ln>
         </p:spPr>
         <p:txBody>
-          <a:bodyPr lIns="90000" rIns="90000" tIns="45000" bIns="45000"/>
+          <a:bodyPr lIns="90000" tIns="45000" rIns="90000" bIns="45000"/>
+          <a:lstStyle/>
           <a:p>
             <a:r>
-              <a:rPr b="1" lang="es-EC">
+              <a:rPr lang="es-EC" b="1">
                 <a:latin typeface="CALIBRI"/>
               </a:rPr>
               <a:t>JERARQUIA.EQV:</a:t>
@@ -2928,7 +3179,7 @@
           </a:p>
           <a:p>
             <a:r>
-              <a:rPr b="1" lang="es-EC">
+              <a:rPr lang="es-EC" b="1">
                 <a:latin typeface="Calibri"/>
               </a:rPr>
               <a:t>INDICE:</a:t>
@@ -2946,7 +3197,7 @@
           </a:p>
           <a:p>
             <a:r>
-              <a:rPr b="1" lang="es-EC">
+              <a:rPr lang="es-EC" b="1">
                 <a:latin typeface="Calibri"/>
               </a:rPr>
               <a:t>COINCIDIR:</a:t>
@@ -2964,7 +3215,7 @@
           </a:p>
           <a:p>
             <a:r>
-              <a:rPr b="1" lang="es-EC">
+              <a:rPr lang="es-EC" b="1">
                 <a:latin typeface="Calibri"/>
               </a:rPr>
               <a:t>Desempate de Celdas en Común</a:t>
@@ -3020,22 +3271,25 @@
       </p:sp>
     </p:spTree>
   </p:cSld>
+  <p:clrMapOvr>
+    <a:masterClrMapping/>
+  </p:clrMapOvr>
   <p:timing>
     <p:tnLst>
       <p:par>
-        <p:cTn id="3" dur="indefinite" restart="never" nodeType="tmRoot">
+        <p:cTn id="1" dur="indefinite" restart="never" nodeType="tmRoot">
           <p:childTnLst>
             <p:seq>
-              <p:cTn id="4" nodeType="mainSeq"/>
+              <p:cTn id="2" nodeType="mainSeq"/>
               <p:prevCondLst>
-                <p:cond delay="0" evt="onPrev">
+                <p:cond evt="onPrev" delay="0">
                   <p:tgtEl>
                     <p:sldTgt/>
                   </p:tgtEl>
                 </p:cond>
               </p:prevCondLst>
               <p:nextCondLst>
-                <p:cond delay="0" evt="onNext">
+                <p:cond evt="onNext" delay="0">
                   <p:tgtEl>
                     <p:sldTgt/>
                   </p:tgtEl>
@@ -3051,7 +3305,7 @@
 </file>
 
 <file path=ppt/slides/slide3.xml><?xml version="1.0" encoding="utf-8"?>
-<p:sld xmlns:a="http://schemas.openxmlformats.org/drawingml/2006/main" xmlns:p="http://schemas.openxmlformats.org/presentationml/2006/main" xmlns:r="http://schemas.openxmlformats.org/officeDocument/2006/relationships">
+<p:sld xmlns:a="http://schemas.openxmlformats.org/drawingml/2006/main" xmlns:r="http://schemas.openxmlformats.org/officeDocument/2006/relationships" xmlns:p="http://schemas.openxmlformats.org/presentationml/2006/main">
   <p:cSld>
     <p:spTree>
       <p:nvGrpSpPr>
@@ -3087,10 +3341,11 @@
           </a:ln>
         </p:spPr>
         <p:txBody>
-          <a:bodyPr lIns="90000" rIns="90000" tIns="45000" bIns="45000"/>
+          <a:bodyPr lIns="90000" tIns="45000" rIns="90000" bIns="45000"/>
+          <a:lstStyle/>
           <a:p>
             <a:r>
-              <a:rPr b="1" lang="es-EC" sz="2800">
+              <a:rPr lang="es-EC" sz="2800" b="1">
                 <a:latin typeface="Arial"/>
               </a:rPr>
               <a:t>PRACTICA</a:t>
@@ -3101,22 +3356,25 @@
       </p:sp>
     </p:spTree>
   </p:cSld>
+  <p:clrMapOvr>
+    <a:masterClrMapping/>
+  </p:clrMapOvr>
   <p:timing>
     <p:tnLst>
       <p:par>
-        <p:cTn id="5" dur="indefinite" restart="never" nodeType="tmRoot">
+        <p:cTn id="1" dur="indefinite" restart="never" nodeType="tmRoot">
           <p:childTnLst>
             <p:seq>
-              <p:cTn id="6" nodeType="mainSeq"/>
+              <p:cTn id="2" nodeType="mainSeq"/>
               <p:prevCondLst>
-                <p:cond delay="0" evt="onPrev">
+                <p:cond evt="onPrev" delay="0">
                   <p:tgtEl>
                     <p:sldTgt/>
                   </p:tgtEl>
                 </p:cond>
               </p:prevCondLst>
               <p:nextCondLst>
-                <p:cond delay="0" evt="onNext">
+                <p:cond evt="onNext" delay="0">
                   <p:tgtEl>
                     <p:sldTgt/>
                   </p:tgtEl>
@@ -3132,7 +3390,7 @@
 </file>
 
 <file path=ppt/slides/slide4.xml><?xml version="1.0" encoding="utf-8"?>
-<p:sld xmlns:a="http://schemas.openxmlformats.org/drawingml/2006/main" xmlns:p="http://schemas.openxmlformats.org/presentationml/2006/main" xmlns:r="http://schemas.openxmlformats.org/officeDocument/2006/relationships">
+<p:sld xmlns:a="http://schemas.openxmlformats.org/drawingml/2006/main" xmlns:r="http://schemas.openxmlformats.org/officeDocument/2006/relationships" xmlns:p="http://schemas.openxmlformats.org/presentationml/2006/main">
   <p:cSld>
     <p:spTree>
       <p:nvGrpSpPr>
@@ -3168,21 +3426,34 @@
           </a:ln>
         </p:spPr>
         <p:txBody>
-          <a:bodyPr lIns="90000" rIns="90000" tIns="45000" bIns="45000"/>
+          <a:bodyPr lIns="90000" tIns="45000" rIns="90000" bIns="45000"/>
+          <a:lstStyle/>
           <a:p>
             <a:r>
-              <a:rPr lang="es-EC" sz="2400">
+              <a:rPr lang="es-EC" sz="2400" dirty="0">
                 <a:latin typeface="Arial"/>
               </a:rPr>
-              <a:t>Dentro del lista de datos escritos, en excel, realizar las siguientes operaciones:</a:t>
+              <a:t>Dentro del lista de datos escritos, en </a:t>
             </a:r>
-            <a:endParaRPr/>
-          </a:p>
-          <a:p>
-            <a:endParaRPr/>
-          </a:p>
-          <a:p>
-            <a:endParaRPr/>
+            <a:r>
+              <a:rPr lang="es-EC" sz="2400" dirty="0" err="1">
+                <a:latin typeface="Arial"/>
+              </a:rPr>
+              <a:t>excel</a:t>
+            </a:r>
+            <a:r>
+              <a:rPr lang="es-EC" sz="2400" dirty="0">
+                <a:latin typeface="Arial"/>
+              </a:rPr>
+              <a:t>, realizar las siguientes operaciones:</a:t>
+            </a:r>
+            <a:endParaRPr dirty="0"/>
+          </a:p>
+          <a:p>
+            <a:endParaRPr dirty="0"/>
+          </a:p>
+          <a:p>
+            <a:endParaRPr dirty="0"/>
           </a:p>
           <a:p>
             <a:pPr>
@@ -3194,12 +3465,12 @@
               <a:buChar char="l"/>
             </a:pPr>
             <a:r>
-              <a:rPr lang="es-EC" sz="2400">
+              <a:rPr lang="es-EC" sz="2400" dirty="0">
                 <a:latin typeface="Arial"/>
               </a:rPr>
               <a:t>Completar el correo para todos los usuarios.</a:t>
             </a:r>
-            <a:endParaRPr/>
+            <a:endParaRPr dirty="0"/>
           </a:p>
           <a:p>
             <a:pPr>
@@ -3211,12 +3482,12 @@
               <a:buChar char="l"/>
             </a:pPr>
             <a:r>
-              <a:rPr lang="es-EC" sz="2400">
+              <a:rPr lang="es-EC" sz="2400" dirty="0">
                 <a:latin typeface="Arial"/>
               </a:rPr>
               <a:t>Identificar el tipo de identificación, si es cédula o ruc.</a:t>
             </a:r>
-            <a:endParaRPr/>
+            <a:endParaRPr dirty="0"/>
           </a:p>
           <a:p>
             <a:pPr>
@@ -3228,50 +3499,50 @@
               <a:buChar char="l"/>
             </a:pPr>
             <a:r>
-              <a:rPr lang="es-EC" sz="2400">
+              <a:rPr lang="es-EC" sz="2400" dirty="0">
                 <a:latin typeface="Arial"/>
               </a:rPr>
-              <a:t>Ordenar por cédula en orden ascendente, por medio del método de ordenamiento por contar.si.</a:t>
+              <a:t>Ordenar por cédula en orden ascendente, por medio del método de ordenamiento por </a:t>
             </a:r>
-            <a:endParaRPr/>
-          </a:p>
-          <a:p>
-            <a:pPr>
-              <a:lnSpc>
-                <a:spcPct val="100000"/>
-              </a:lnSpc>
-              <a:buSzPct val="45000"/>
-              <a:buFont typeface="StarSymbol"/>
-              <a:buChar char="l"/>
-            </a:pPr>
             <a:r>
-              <a:rPr lang="es-EC" sz="2400">
+              <a:rPr lang="es-EC" sz="2400" dirty="0" err="1">
                 <a:latin typeface="Arial"/>
               </a:rPr>
-              <a:t>Ordenar por la fecha de nacimiento, por medio del método de ordenamiento de JERARQUIA.EQV </a:t>
+              <a:t>contar.si</a:t>
             </a:r>
-            <a:endParaRPr/>
+            <a:r>
+              <a:rPr lang="es-EC" sz="2400" dirty="0" smtClean="0">
+                <a:latin typeface="Arial"/>
+              </a:rPr>
+              <a:t>.</a:t>
+            </a:r>
+            <a:endParaRPr lang="es-EC" sz="2400" dirty="0" smtClean="0">
+              <a:latin typeface="Arial"/>
+            </a:endParaRPr>
           </a:p>
         </p:txBody>
       </p:sp>
     </p:spTree>
   </p:cSld>
+  <p:clrMapOvr>
+    <a:masterClrMapping/>
+  </p:clrMapOvr>
   <p:timing>
     <p:tnLst>
       <p:par>
-        <p:cTn id="7" dur="indefinite" restart="never" nodeType="tmRoot">
+        <p:cTn id="1" dur="indefinite" restart="never" nodeType="tmRoot">
           <p:childTnLst>
             <p:seq>
-              <p:cTn id="8" nodeType="mainSeq"/>
+              <p:cTn id="2" nodeType="mainSeq"/>
               <p:prevCondLst>
-                <p:cond delay="0" evt="onPrev">
+                <p:cond evt="onPrev" delay="0">
                   <p:tgtEl>
                     <p:sldTgt/>
                   </p:tgtEl>
                 </p:cond>
               </p:prevCondLst>
               <p:nextCondLst>
-                <p:cond delay="0" evt="onNext">
+                <p:cond evt="onNext" delay="0">
                   <p:tgtEl>
                     <p:sldTgt/>
                   </p:tgtEl>
@@ -3506,6 +3777,8 @@
       </a:bgFillStyleLst>
     </a:fmtScheme>
   </a:themeElements>
+  <a:objectDefaults/>
+  <a:extraClrSchemeLst/>
 </a:theme>
 </file>
 
@@ -3729,5 +4002,7 @@
       </a:bgFillStyleLst>
     </a:fmtScheme>
   </a:themeElements>
+  <a:objectDefaults/>
+  <a:extraClrSchemeLst/>
 </a:theme>
 </file>